--- a/TANZANIA TOURIST REPORT.pptx
+++ b/TANZANIA TOURIST REPORT.pptx
@@ -26,10 +26,10 @@
     <p:sldId id="274" r:id="rId20"/>
     <p:sldId id="275" r:id="rId21"/>
     <p:sldId id="276" r:id="rId22"/>
-    <p:sldId id="277" r:id="rId23"/>
-    <p:sldId id="278" r:id="rId24"/>
-    <p:sldId id="279" r:id="rId25"/>
-    <p:sldId id="280" r:id="rId26"/>
+    <p:sldId id="282" r:id="rId23"/>
+    <p:sldId id="279" r:id="rId24"/>
+    <p:sldId id="280" r:id="rId25"/>
+    <p:sldId id="283" r:id="rId26"/>
     <p:sldId id="281" r:id="rId27"/>
   </p:sldIdLst>
   <p:sldSz cx="9144000" cy="6858000" type="screen4x3"/>
@@ -381,7 +381,7 @@
             <a:fld id="{5C9ACEEE-9517-4A5E-BDA6-5E2563544643}" type="datetimeFigureOut">
               <a:rPr lang="en-US" smtClean="0"/>
               <a:pPr/>
-              <a:t>10/3/2022</a:t>
+              <a:t>10/4/2022</a:t>
             </a:fld>
             <a:endParaRPr lang="en-US"/>
           </a:p>
@@ -606,7 +606,7 @@
             <a:fld id="{5C9ACEEE-9517-4A5E-BDA6-5E2563544643}" type="datetimeFigureOut">
               <a:rPr lang="en-US" smtClean="0"/>
               <a:pPr/>
-              <a:t>10/3/2022</a:t>
+              <a:t>10/4/2022</a:t>
             </a:fld>
             <a:endParaRPr lang="en-US"/>
           </a:p>
@@ -888,7 +888,7 @@
             <a:fld id="{5C9ACEEE-9517-4A5E-BDA6-5E2563544643}" type="datetimeFigureOut">
               <a:rPr lang="en-US" smtClean="0"/>
               <a:pPr/>
-              <a:t>10/3/2022</a:t>
+              <a:t>10/4/2022</a:t>
             </a:fld>
             <a:endParaRPr lang="en-US"/>
           </a:p>
@@ -1069,7 +1069,7 @@
             <a:fld id="{5C9ACEEE-9517-4A5E-BDA6-5E2563544643}" type="datetimeFigureOut">
               <a:rPr lang="en-US" smtClean="0"/>
               <a:pPr/>
-              <a:t>10/3/2022</a:t>
+              <a:t>10/4/2022</a:t>
             </a:fld>
             <a:endParaRPr lang="en-US"/>
           </a:p>
@@ -1429,7 +1429,7 @@
             <a:fld id="{5C9ACEEE-9517-4A5E-BDA6-5E2563544643}" type="datetimeFigureOut">
               <a:rPr lang="en-US" smtClean="0"/>
               <a:pPr/>
-              <a:t>10/3/2022</a:t>
+              <a:t>10/4/2022</a:t>
             </a:fld>
             <a:endParaRPr lang="en-US"/>
           </a:p>
@@ -1718,7 +1718,7 @@
             <a:fld id="{5C9ACEEE-9517-4A5E-BDA6-5E2563544643}" type="datetimeFigureOut">
               <a:rPr lang="en-US" smtClean="0"/>
               <a:pPr/>
-              <a:t>10/3/2022</a:t>
+              <a:t>10/4/2022</a:t>
             </a:fld>
             <a:endParaRPr lang="en-US"/>
           </a:p>
@@ -2142,7 +2142,7 @@
             <a:fld id="{5C9ACEEE-9517-4A5E-BDA6-5E2563544643}" type="datetimeFigureOut">
               <a:rPr lang="en-US" smtClean="0"/>
               <a:pPr/>
-              <a:t>10/3/2022</a:t>
+              <a:t>10/4/2022</a:t>
             </a:fld>
             <a:endParaRPr lang="en-US"/>
           </a:p>
@@ -2259,7 +2259,7 @@
             <a:fld id="{5C9ACEEE-9517-4A5E-BDA6-5E2563544643}" type="datetimeFigureOut">
               <a:rPr lang="en-US" smtClean="0"/>
               <a:pPr/>
-              <a:t>10/3/2022</a:t>
+              <a:t>10/4/2022</a:t>
             </a:fld>
             <a:endParaRPr lang="en-US"/>
           </a:p>
@@ -2351,7 +2351,7 @@
             <a:fld id="{5C9ACEEE-9517-4A5E-BDA6-5E2563544643}" type="datetimeFigureOut">
               <a:rPr lang="en-US" smtClean="0"/>
               <a:pPr/>
-              <a:t>10/3/2022</a:t>
+              <a:t>10/4/2022</a:t>
             </a:fld>
             <a:endParaRPr lang="en-US"/>
           </a:p>
@@ -2631,7 +2631,7 @@
             <a:fld id="{5C9ACEEE-9517-4A5E-BDA6-5E2563544643}" type="datetimeFigureOut">
               <a:rPr lang="en-US" smtClean="0"/>
               <a:pPr/>
-              <a:t>10/3/2022</a:t>
+              <a:t>10/4/2022</a:t>
             </a:fld>
             <a:endParaRPr lang="en-US"/>
           </a:p>
@@ -2999,7 +2999,7 @@
             <a:fld id="{5C9ACEEE-9517-4A5E-BDA6-5E2563544643}" type="datetimeFigureOut">
               <a:rPr lang="en-US" smtClean="0"/>
               <a:pPr/>
-              <a:t>10/3/2022</a:t>
+              <a:t>10/4/2022</a:t>
             </a:fld>
             <a:endParaRPr lang="en-US"/>
           </a:p>
@@ -3438,7 +3438,7 @@
             <a:fld id="{5C9ACEEE-9517-4A5E-BDA6-5E2563544643}" type="datetimeFigureOut">
               <a:rPr lang="en-US" smtClean="0"/>
               <a:pPr/>
-              <a:t>10/3/2022</a:t>
+              <a:t>10/4/2022</a:t>
             </a:fld>
             <a:endParaRPr lang="en-US"/>
           </a:p>
@@ -4341,7 +4341,7 @@
           <a:p>
             <a:r>
               <a:rPr lang="en-US" sz="1800" dirty="0" smtClean="0"/>
-              <a:t>This heat-map shows  a stronger correlation between  total female and cost than total male and cost, this implies group with more females are prone to spend the more. The correlation co-efficient between total female and the nights spent is higher  than the total nights spent by males. A negative correlation between total male and night mainland shows that man are less likely to spend the night on the mainland.</a:t>
+              <a:t>This heat-map shows  a stronger correlation between  total female and cost than total male and cost, this implies group with more females are prone to spend the more. The correlation co-efficient between total female and the nights spent is higher  than the total nights spent by males. A negative correlation between total male and night mainland shows that men are less likely to spend the night on the mainland.</a:t>
             </a:r>
             <a:endParaRPr lang="en-US" sz="1800" dirty="0"/>
           </a:p>
@@ -4528,7 +4528,7 @@
           <a:p>
             <a:r>
               <a:rPr lang="en-US" sz="2000" dirty="0" smtClean="0"/>
-              <a:t>Tourist from USA spends the most money. Tourist from these top 5 highest spending countries should be wooed in the most using various marketing media, as they are the big spenders and areas of interest to these tourists should be giving more attention in order keep attracting them.</a:t>
+              <a:t>Tourist from USA spent the most money. Tourist from these top 5 highest spending countries should be wooed in the most, using various marketing media, as they are the big spenders and areas of interest to these tourists should be giving more attention in order keep attracting them.</a:t>
             </a:r>
             <a:endParaRPr lang="en-US" sz="2000" dirty="0"/>
           </a:p>
@@ -4971,15 +4971,7 @@
           <a:p>
             <a:r>
               <a:rPr lang="en-US" sz="2200" dirty="0" smtClean="0"/>
-              <a:t>Tourists spends more time  nights on the mainland than in Zanzibar, the disparity is much. </a:t>
-            </a:r>
-            <a:r>
-              <a:rPr lang="en-US" sz="2200" dirty="0" smtClean="0"/>
-              <a:t>A</a:t>
-            </a:r>
-            <a:r>
-              <a:rPr lang="en-US" sz="2200" dirty="0" smtClean="0"/>
-              <a:t> further survey should be done to access the factors influencing  the stay of tourist on the mainland, in order to incorporate the ideas into Zanzibar accommodations </a:t>
+              <a:t>Tourists spends more   night’s on the mainland than in Zanzibar, the disparity is much. A further survey should be done to access the factors influencing  the stay of tourist on the mainland, in order to incorporate the ideas into Zanzibar accommodations </a:t>
             </a:r>
             <a:endParaRPr lang="en-US" sz="2200" dirty="0"/>
           </a:p>
@@ -5123,8 +5115,8 @@
         </p:nvSpPr>
         <p:spPr>
           <a:xfrm>
-            <a:off x="167838" y="1730018"/>
-            <a:ext cx="2468880" cy="5127982"/>
+            <a:off x="167838" y="1524000"/>
+            <a:ext cx="2468880" cy="5334000"/>
           </a:xfrm>
         </p:spPr>
         <p:txBody>
@@ -5134,10 +5126,10 @@
           <a:lstStyle/>
           <a:p>
             <a:r>
-              <a:rPr lang="en-US" sz="2300" dirty="0" smtClean="0"/>
-              <a:t>The most preferred payment mode by tourists is cash. Hence, the need to work more closely with more bureau the change businesses, to enable easy of changing money for the tourists which contributes to their spending habits. </a:t>
-            </a:r>
-            <a:endParaRPr lang="en-US" sz="2300" dirty="0"/>
+              <a:rPr lang="en-US" sz="1800" dirty="0" smtClean="0"/>
+              <a:t>The most preferred payment mode by tourists is cash. Hence, the need to work more closely with more bureau the change businesses, to enable easy of changing money for the tourists which contributes to their spending habits. Crypto-currency and cashless payment  is recommended to be infused as a payment mode to encourage young tourist to spend more.</a:t>
+            </a:r>
+            <a:endParaRPr lang="en-US" sz="1800" dirty="0"/>
           </a:p>
         </p:txBody>
       </p:sp>
@@ -5244,7 +5236,7 @@
         <p:spPr>
           <a:xfrm>
             <a:off x="167838" y="1524000"/>
-            <a:ext cx="2468880" cy="5334000"/>
+            <a:ext cx="2468880" cy="5943600"/>
           </a:xfrm>
         </p:spPr>
         <p:txBody>
@@ -5254,10 +5246,10 @@
           <a:lstStyle/>
           <a:p>
             <a:r>
-              <a:rPr lang="en-US" sz="2100" dirty="0" smtClean="0"/>
-              <a:t>The aspect of tourism worth investing in is wildlife tourism as it has more patronage from tourists, profits is sure on investment. Hunting tourism is recommended for rejuvenation, more innovations are need to make it attractive to tourist. Beach tourism is also a good place to invest.</a:t>
-            </a:r>
-            <a:endParaRPr lang="en-US" sz="2100" dirty="0"/>
+              <a:rPr lang="en-US" sz="2000" dirty="0" smtClean="0"/>
+              <a:t>The aspect of tourism worth investing in ,is wildlife tourism as it has more patronage from tourists. Profits is sure on investment. Hunting tourism is recommended for rejuvenation, more innovations are needed to make it more attractive to tourist. Beach tourism is also a good place to invest.</a:t>
+            </a:r>
+            <a:endParaRPr lang="en-US" sz="2000" dirty="0"/>
           </a:p>
         </p:txBody>
       </p:sp>
@@ -5280,7 +5272,7 @@
         </p:blipFill>
         <p:spPr bwMode="auto">
           <a:xfrm>
-            <a:off x="3048001" y="1779587"/>
+            <a:off x="3048001" y="1600200"/>
             <a:ext cx="5943600" cy="5078413"/>
           </a:xfrm>
           <a:prstGeom prst="rect">
@@ -5331,38 +5323,91 @@
             <p:ph type="title"/>
           </p:nvPr>
         </p:nvSpPr>
-        <p:spPr/>
-        <p:txBody>
-          <a:bodyPr/>
-          <a:lstStyle/>
-          <a:p>
-            <a:r>
-              <a:rPr lang="en-US" dirty="0" smtClean="0"/>
-              <a:t>Most sort after food by tourist</a:t>
-            </a:r>
-            <a:endParaRPr lang="en-US" dirty="0"/>
-          </a:p>
-        </p:txBody>
-      </p:sp>
-      <p:sp>
-        <p:nvSpPr>
-          <p:cNvPr id="3" name="Content Placeholder 2"/>
-          <p:cNvSpPr>
-            <a:spLocks noGrp="1"/>
-          </p:cNvSpPr>
+        <p:spPr>
+          <a:xfrm>
+            <a:off x="167838" y="152400"/>
+            <a:ext cx="2523744" cy="1143000"/>
+          </a:xfrm>
+        </p:spPr>
+        <p:txBody>
+          <a:bodyPr>
+            <a:normAutofit/>
+          </a:bodyPr>
+          <a:lstStyle/>
+          <a:p>
+            <a:r>
+              <a:rPr lang="en-US" sz="2800" b="1" dirty="0" smtClean="0"/>
+              <a:t>FEATURE IMPORTANCE</a:t>
+            </a:r>
+            <a:endParaRPr lang="en-US" sz="2800" b="1" dirty="0"/>
+          </a:p>
+        </p:txBody>
+      </p:sp>
+      <p:sp>
+        <p:nvSpPr>
+          <p:cNvPr id="4" name="Text Placeholder 3"/>
+          <p:cNvSpPr>
+            <a:spLocks noGrp="1"/>
+          </p:cNvSpPr>
+          <p:nvPr>
+            <p:ph type="body" sz="half" idx="2"/>
+          </p:nvPr>
+        </p:nvSpPr>
+        <p:spPr>
+          <a:xfrm>
+            <a:off x="167838" y="1730018"/>
+            <a:ext cx="2468880" cy="5127982"/>
+          </a:xfrm>
+        </p:spPr>
+        <p:txBody>
+          <a:bodyPr>
+            <a:noAutofit/>
+          </a:bodyPr>
+          <a:lstStyle/>
+          <a:p>
+            <a:r>
+              <a:rPr lang="en-US" sz="2300" dirty="0" smtClean="0"/>
+              <a:t>The feature importance gives us a general overview of the most important features that are vital in predicting the total cost. These features include travel with, package transport international, total tourists, and tour arrangement. </a:t>
+            </a:r>
+            <a:endParaRPr lang="en-US" sz="2300" dirty="0"/>
+          </a:p>
+        </p:txBody>
+      </p:sp>
+      <p:pic>
+        <p:nvPicPr>
+          <p:cNvPr id="1026" name="Picture 2"/>
+          <p:cNvPicPr>
+            <a:picLocks noGrp="1" noChangeAspect="1" noChangeArrowheads="1"/>
+          </p:cNvPicPr>
           <p:nvPr>
             <p:ph idx="1"/>
           </p:nvPr>
-        </p:nvSpPr>
-        <p:spPr/>
-        <p:txBody>
-          <a:bodyPr/>
-          <a:lstStyle/>
-          <a:p>
-            <a:endParaRPr lang="en-US"/>
-          </a:p>
-        </p:txBody>
-      </p:sp>
+        </p:nvPicPr>
+        <p:blipFill>
+          <a:blip r:embed="rId2"/>
+          <a:srcRect/>
+          <a:stretch>
+            <a:fillRect/>
+          </a:stretch>
+        </p:blipFill>
+        <p:spPr bwMode="auto">
+          <a:xfrm>
+            <a:off x="3019425" y="1524000"/>
+            <a:ext cx="6124575" cy="5029200"/>
+          </a:xfrm>
+          <a:prstGeom prst="rect">
+            <a:avLst/>
+          </a:prstGeom>
+          <a:noFill/>
+          <a:ln w="9525">
+            <a:noFill/>
+            <a:miter lim="800000"/>
+            <a:headEnd/>
+            <a:tailEnd/>
+          </a:ln>
+          <a:effectLst/>
+        </p:spPr>
+      </p:pic>
     </p:spTree>
   </p:cSld>
   <p:clrMapOvr>
@@ -5400,12 +5445,14 @@
         </p:nvSpPr>
         <p:spPr/>
         <p:txBody>
-          <a:bodyPr/>
+          <a:bodyPr>
+            <a:normAutofit fontScale="90000"/>
+          </a:bodyPr>
           <a:lstStyle/>
           <a:p>
             <a:r>
               <a:rPr lang="en-US" dirty="0" smtClean="0"/>
-              <a:t>Feature importance</a:t>
+              <a:t>MODEL OVERVIEW AND PERFORMANCE</a:t>
             </a:r>
             <a:endParaRPr lang="en-US" dirty="0"/>
           </a:p>
@@ -5423,10 +5470,22 @@
         </p:nvSpPr>
         <p:spPr/>
         <p:txBody>
-          <a:bodyPr/>
-          <a:lstStyle/>
-          <a:p>
-            <a:endParaRPr lang="en-US"/>
+          <a:bodyPr>
+            <a:normAutofit fontScale="92500" lnSpcReduction="10000"/>
+          </a:bodyPr>
+          <a:lstStyle/>
+          <a:p>
+            <a:r>
+              <a:rPr lang="en-US" dirty="0" smtClean="0"/>
+              <a:t>Linear regression model was employed for the prediction of the total cost. The model gave a coefficient of determination score of 0.25 which is low, so we explored other regression models like the XGBoost.</a:t>
+            </a:r>
+          </a:p>
+          <a:p>
+            <a:r>
+              <a:rPr lang="en-US" dirty="0" smtClean="0"/>
+              <a:t>Model performance of the XGBoost is 0.20 which is lower, this might be as a result of the weak correlation between features. Hence, we suggest other regression models should be explored.</a:t>
+            </a:r>
+            <a:endParaRPr lang="en-US" dirty="0"/>
           </a:p>
         </p:txBody>
       </p:sp>
@@ -5472,7 +5531,7 @@
           <a:p>
             <a:r>
               <a:rPr lang="en-US" dirty="0" smtClean="0"/>
-              <a:t>Machine learning</a:t>
+              <a:t>RECOMMENDATIONS</a:t>
             </a:r>
             <a:endParaRPr lang="en-US" dirty="0"/>
           </a:p>
@@ -5490,10 +5549,28 @@
         </p:nvSpPr>
         <p:spPr/>
         <p:txBody>
-          <a:bodyPr/>
-          <a:lstStyle/>
-          <a:p>
-            <a:endParaRPr lang="en-US"/>
+          <a:bodyPr>
+            <a:normAutofit/>
+          </a:bodyPr>
+          <a:lstStyle/>
+          <a:p>
+            <a:r>
+              <a:rPr lang="en-US" dirty="0" smtClean="0"/>
+              <a:t>Further survey should be carried out on factors influencing the low rate of tourist spending the night in Zanzibar.</a:t>
+            </a:r>
+          </a:p>
+          <a:p>
+            <a:pPr>
+              <a:buNone/>
+            </a:pPr>
+            <a:endParaRPr lang="en-US" dirty="0" smtClean="0"/>
+          </a:p>
+          <a:p>
+            <a:r>
+              <a:rPr lang="en-US" dirty="0" smtClean="0"/>
+              <a:t>Attention should be given more to advertising on media, exploring social media advertisement is recommended as the world has gone digital. </a:t>
+            </a:r>
+            <a:endParaRPr lang="en-US" dirty="0"/>
           </a:p>
         </p:txBody>
       </p:sp>
@@ -5539,7 +5616,7 @@
           <a:p>
             <a:r>
               <a:rPr lang="en-US" dirty="0" smtClean="0"/>
-              <a:t>Recommendation</a:t>
+              <a:t>RECOMMENDATIONS</a:t>
             </a:r>
             <a:endParaRPr lang="en-US" dirty="0"/>
           </a:p>
@@ -5555,12 +5632,51 @@
             <p:ph idx="1"/>
           </p:nvPr>
         </p:nvSpPr>
-        <p:spPr/>
-        <p:txBody>
-          <a:bodyPr/>
-          <a:lstStyle/>
-          <a:p>
-            <a:endParaRPr lang="en-US"/>
+        <p:spPr>
+          <a:xfrm>
+            <a:off x="457200" y="1676401"/>
+            <a:ext cx="8229600" cy="4953000"/>
+          </a:xfrm>
+        </p:spPr>
+        <p:txBody>
+          <a:bodyPr>
+            <a:normAutofit fontScale="92500"/>
+          </a:bodyPr>
+          <a:lstStyle/>
+          <a:p>
+            <a:r>
+              <a:rPr lang="en-US" dirty="0" smtClean="0"/>
+              <a:t>More attention should be given to the number of persons a tourist </a:t>
+            </a:r>
+            <a:r>
+              <a:rPr lang="en-US" dirty="0" smtClean="0"/>
+              <a:t>travel with, package transport international, total </a:t>
+            </a:r>
+            <a:r>
+              <a:rPr lang="en-US" dirty="0" smtClean="0"/>
+              <a:t>tourists and </a:t>
+            </a:r>
+            <a:r>
+              <a:rPr lang="en-US" dirty="0" smtClean="0"/>
+              <a:t>tour </a:t>
+            </a:r>
+            <a:r>
+              <a:rPr lang="en-US" dirty="0" smtClean="0"/>
+              <a:t>arrangement as this a the for cardinal features that can predict a tourist expenditure. </a:t>
+            </a:r>
+          </a:p>
+          <a:p>
+            <a:pPr>
+              <a:buNone/>
+            </a:pPr>
+            <a:endParaRPr lang="en-US" dirty="0" smtClean="0"/>
+          </a:p>
+          <a:p>
+            <a:r>
+              <a:rPr lang="en-US" dirty="0" smtClean="0"/>
+              <a:t>These factors can also serve as a guide for travel agencies to estimate a tourists possible expenditure in order to prepare them before arrival.</a:t>
+            </a:r>
+            <a:endParaRPr lang="en-US" dirty="0"/>
           </a:p>
         </p:txBody>
       </p:sp>
@@ -5709,18 +5825,21 @@
         </p:nvSpPr>
         <p:spPr>
           <a:xfrm>
-            <a:off x="457200" y="1775191"/>
-            <a:ext cx="8229600" cy="4930409"/>
+            <a:off x="457200" y="1752600"/>
+            <a:ext cx="8229600" cy="5105399"/>
           </a:xfrm>
         </p:spPr>
         <p:txBody>
           <a:bodyPr>
-            <a:normAutofit lnSpcReduction="10000"/>
+            <a:normAutofit fontScale="70000" lnSpcReduction="20000"/>
           </a:bodyPr>
           <a:lstStyle/>
           <a:p>
-            <a:r>
-              <a:rPr lang="en-US" dirty="0" smtClean="0"/>
+            <a:pPr>
+              <a:buNone/>
+            </a:pPr>
+            <a:r>
+              <a:rPr lang="en-US" b="1" dirty="0" smtClean="0"/>
               <a:t>The prediction factors are:</a:t>
             </a:r>
           </a:p>
@@ -5733,7 +5852,97 @@
           <a:p>
             <a:r>
               <a:rPr lang="en-US" dirty="0" smtClean="0"/>
-              <a:t>Tourist age group, number of  persons travelled with, purpose of travel, main activity, information source, tour arrangement mode, accommodation, food, transport, insurance packages, numbers of nights spent, payment mode, sightseeing, tour guide, first trip and most impressing features.</a:t>
+              <a:t>Tourist age group</a:t>
+            </a:r>
+          </a:p>
+          <a:p>
+            <a:r>
+              <a:rPr lang="en-US" dirty="0" smtClean="0"/>
+              <a:t>Number of  persons travelled with</a:t>
+            </a:r>
+          </a:p>
+          <a:p>
+            <a:r>
+              <a:rPr lang="en-US" dirty="0" smtClean="0"/>
+              <a:t>Purpose of travel</a:t>
+            </a:r>
+          </a:p>
+          <a:p>
+            <a:r>
+              <a:rPr lang="en-US" dirty="0" smtClean="0"/>
+              <a:t>Main activity</a:t>
+            </a:r>
+          </a:p>
+          <a:p>
+            <a:r>
+              <a:rPr lang="en-US" dirty="0" smtClean="0"/>
+              <a:t>Information source</a:t>
+            </a:r>
+          </a:p>
+          <a:p>
+            <a:r>
+              <a:rPr lang="en-US" dirty="0" smtClean="0"/>
+              <a:t>Tour arrangement mode</a:t>
+            </a:r>
+          </a:p>
+          <a:p>
+            <a:r>
+              <a:rPr lang="en-US" dirty="0" smtClean="0"/>
+              <a:t>Accommodation</a:t>
+            </a:r>
+          </a:p>
+          <a:p>
+            <a:r>
+              <a:rPr lang="en-US" dirty="0" smtClean="0"/>
+              <a:t>Food </a:t>
+            </a:r>
+          </a:p>
+          <a:p>
+            <a:r>
+              <a:rPr lang="en-US" dirty="0" smtClean="0"/>
+              <a:t>Transport</a:t>
+            </a:r>
+          </a:p>
+          <a:p>
+            <a:r>
+              <a:rPr lang="en-US" dirty="0" smtClean="0"/>
+              <a:t>Insurance packages</a:t>
+            </a:r>
+          </a:p>
+          <a:p>
+            <a:r>
+              <a:rPr lang="en-US" dirty="0" smtClean="0"/>
+              <a:t>Numbers of nights spent</a:t>
+            </a:r>
+          </a:p>
+          <a:p>
+            <a:r>
+              <a:rPr lang="en-US" dirty="0" smtClean="0"/>
+              <a:t>Payment mode</a:t>
+            </a:r>
+          </a:p>
+          <a:p>
+            <a:r>
+              <a:rPr lang="en-US" dirty="0" smtClean="0"/>
+              <a:t>Sightseeing </a:t>
+            </a:r>
+          </a:p>
+          <a:p>
+            <a:r>
+              <a:rPr lang="en-US" dirty="0" smtClean="0"/>
+              <a:t>Tour guide</a:t>
+            </a:r>
+          </a:p>
+          <a:p>
+            <a:r>
+              <a:rPr lang="en-US" dirty="0" smtClean="0"/>
+              <a:t>First trip </a:t>
+            </a:r>
+          </a:p>
+          <a:p>
+            <a:r>
+              <a:rPr lang="en-US" dirty="0" smtClean="0"/>
+              <a:t>Most impressing features.</a:t>
             </a:r>
             <a:endParaRPr lang="en-US" dirty="0"/>
           </a:p>
@@ -5909,7 +6118,7 @@
         </p:blipFill>
         <p:spPr bwMode="auto">
           <a:xfrm>
-            <a:off x="2971800" y="1447800"/>
+            <a:off x="2971800" y="1524000"/>
             <a:ext cx="6172199" cy="5029200"/>
           </a:xfrm>
           <a:prstGeom prst="rect">
@@ -6097,8 +6306,8 @@
         </p:nvSpPr>
         <p:spPr>
           <a:xfrm>
-            <a:off x="167838" y="1730018"/>
-            <a:ext cx="2468880" cy="5127982"/>
+            <a:off x="167838" y="1600200"/>
+            <a:ext cx="2468880" cy="5257800"/>
           </a:xfrm>
         </p:spPr>
         <p:txBody>
@@ -6109,15 +6318,7 @@
           <a:p>
             <a:r>
               <a:rPr lang="en-US" sz="2400" dirty="0" smtClean="0"/>
-              <a:t>The highest information source for tourists  is  travel agent, tour operator, followed by friends and relatives . The least information source is  </a:t>
-            </a:r>
-            <a:r>
-              <a:rPr lang="en-US" sz="2400" dirty="0" err="1" smtClean="0"/>
-              <a:t>inflight</a:t>
-            </a:r>
-            <a:r>
-              <a:rPr lang="en-US" sz="2400" dirty="0" smtClean="0"/>
-              <a:t> magazine followed by Tanzania mission abroad.</a:t>
+              <a:t>The highest information source for tourists  is  travel agent, tour operator, followed by friends and relatives . The least information source is  in-flight magazine followed by Tanzania mission abroad.</a:t>
             </a:r>
             <a:endParaRPr lang="en-US" sz="2400" dirty="0"/>
           </a:p>
@@ -6142,7 +6343,7 @@
         </p:blipFill>
         <p:spPr bwMode="auto">
           <a:xfrm>
-            <a:off x="3352800" y="1676400"/>
+            <a:off x="3352800" y="1600200"/>
             <a:ext cx="5486399" cy="5181600"/>
           </a:xfrm>
           <a:prstGeom prst="rect">
